--- a/presentation/讲一讲Redis缓存设计？/讲一讲Redis缓存设计？.pptx
+++ b/presentation/讲一讲Redis缓存设计？/讲一讲Redis缓存设计？.pptx
@@ -9696,7 +9696,7 @@
                 <a:latin typeface="微软雅黑" pitchFamily="34" charset="-122"/>
                 <a:ea typeface="微软雅黑" pitchFamily="34" charset="-122"/>
               </a:rPr>
-              <a:t>缓冲更新策略对比</a:t>
+              <a:t>缓存更新策略对比</a:t>
             </a:r>
             <a:endParaRPr lang="en-US" altLang="zh-CN" sz="2000" dirty="0">
               <a:solidFill>
@@ -11249,7 +11249,7 @@
                 <a:latin typeface="微软雅黑" pitchFamily="34" charset="-122"/>
                 <a:ea typeface="微软雅黑" pitchFamily="34" charset="-122"/>
               </a:rPr>
-              <a:t>超时剔除</a:t>
+              <a:t>主动更新</a:t>
             </a:r>
             <a:r>
               <a:rPr lang="zh-CN" altLang="en-US" dirty="0">
@@ -11277,7 +11277,7 @@
                 <a:latin typeface="微软雅黑" pitchFamily="34" charset="-122"/>
                 <a:ea typeface="微软雅黑" pitchFamily="34" charset="-122"/>
               </a:rPr>
-              <a:t>主动更新</a:t>
+              <a:t>超时剔除</a:t>
             </a:r>
             <a:r>
               <a:rPr lang="zh-CN" altLang="en-US" dirty="0">
@@ -17475,7 +17475,7 @@
                 <a:latin typeface="微软雅黑" pitchFamily="34" charset="-122"/>
                 <a:ea typeface="微软雅黑" pitchFamily="34" charset="-122"/>
               </a:rPr>
-              <a:t>什么是缓存穿透</a:t>
+              <a:t>什么是缓存穿透？</a:t>
             </a:r>
             <a:endParaRPr lang="en-US" altLang="zh-CN" sz="2000" dirty="0">
               <a:solidFill>
@@ -40013,7 +40013,7 @@
         <p:spPr>
           <a:xfrm>
             <a:off x="1151620" y="987574"/>
-            <a:ext cx="6840760" cy="369332"/>
+            <a:ext cx="7020780" cy="369332"/>
           </a:xfrm>
           <a:prstGeom prst="rect">
             <a:avLst/>
@@ -40069,7 +40069,7 @@
                 <a:latin typeface="微软雅黑" pitchFamily="34" charset="-122"/>
                 <a:ea typeface="微软雅黑" pitchFamily="34" charset="-122"/>
               </a:rPr>
-              <a:t>进行缓存是通常会加上键的生命周期，这是为什么？</a:t>
+              <a:t>进行缓存时，通常会加上键的生命周期，这是为什么？</a:t>
             </a:r>
           </a:p>
         </p:txBody>

--- a/presentation/讲一讲Redis缓存设计？/讲一讲Redis缓存设计？.pptx
+++ b/presentation/讲一讲Redis缓存设计？/讲一讲Redis缓存设计？.pptx
@@ -259,7 +259,7 @@
           <a:p>
             <a:fld id="{D2A48B96-639E-45A3-A0BA-2464DFDB1FAA}" type="datetimeFigureOut">
               <a:rPr lang="zh-CN" altLang="en-US" smtClean="0"/>
-              <a:t>2024-04-10</a:t>
+              <a:t>2024-04-11</a:t>
             </a:fld>
             <a:endParaRPr lang="zh-CN" altLang="en-US"/>
           </a:p>
@@ -4182,7 +4182,7 @@
           <a:p>
             <a:fld id="{8035C5D1-AD16-4B01-871F-DE047A6CFB67}" type="datetimeFigureOut">
               <a:rPr lang="zh-CN" altLang="en-US" smtClean="0"/>
-              <a:t>2024-04-10</a:t>
+              <a:t>2024-04-11</a:t>
             </a:fld>
             <a:endParaRPr lang="zh-CN" altLang="en-US"/>
           </a:p>
@@ -4294,7 +4294,7 @@
           <a:p>
             <a:fld id="{8035C5D1-AD16-4B01-871F-DE047A6CFB67}" type="datetimeFigureOut">
               <a:rPr lang="zh-CN" altLang="en-US" smtClean="0"/>
-              <a:t>2024-04-10</a:t>
+              <a:t>2024-04-11</a:t>
             </a:fld>
             <a:endParaRPr lang="zh-CN" altLang="en-US"/>
           </a:p>
@@ -4411,7 +4411,7 @@
           <a:p>
             <a:fld id="{8035C5D1-AD16-4B01-871F-DE047A6CFB67}" type="datetimeFigureOut">
               <a:rPr lang="zh-CN" altLang="en-US" smtClean="0"/>
-              <a:t>2024-04-10</a:t>
+              <a:t>2024-04-11</a:t>
             </a:fld>
             <a:endParaRPr lang="zh-CN" altLang="en-US"/>
           </a:p>
@@ -4528,7 +4528,7 @@
           <a:p>
             <a:fld id="{8035C5D1-AD16-4B01-871F-DE047A6CFB67}" type="datetimeFigureOut">
               <a:rPr lang="zh-CN" altLang="en-US" smtClean="0"/>
-              <a:t>2024-04-10</a:t>
+              <a:t>2024-04-11</a:t>
             </a:fld>
             <a:endParaRPr lang="zh-CN" altLang="en-US"/>
           </a:p>
@@ -4645,7 +4645,7 @@
           <a:p>
             <a:fld id="{8035C5D1-AD16-4B01-871F-DE047A6CFB67}" type="datetimeFigureOut">
               <a:rPr lang="zh-CN" altLang="en-US" smtClean="0"/>
-              <a:t>2024-04-10</a:t>
+              <a:t>2024-04-11</a:t>
             </a:fld>
             <a:endParaRPr lang="zh-CN" altLang="en-US"/>
           </a:p>
@@ -4762,7 +4762,7 @@
           <a:p>
             <a:fld id="{8035C5D1-AD16-4B01-871F-DE047A6CFB67}" type="datetimeFigureOut">
               <a:rPr lang="zh-CN" altLang="en-US" smtClean="0"/>
-              <a:t>2024-04-10</a:t>
+              <a:t>2024-04-11</a:t>
             </a:fld>
             <a:endParaRPr lang="zh-CN" altLang="en-US"/>
           </a:p>
@@ -4879,7 +4879,7 @@
           <a:p>
             <a:fld id="{8035C5D1-AD16-4B01-871F-DE047A6CFB67}" type="datetimeFigureOut">
               <a:rPr lang="zh-CN" altLang="en-US" smtClean="0"/>
-              <a:t>2024-04-10</a:t>
+              <a:t>2024-04-11</a:t>
             </a:fld>
             <a:endParaRPr lang="zh-CN" altLang="en-US"/>
           </a:p>
@@ -6011,7 +6011,7 @@
           <a:p>
             <a:fld id="{8035C5D1-AD16-4B01-871F-DE047A6CFB67}" type="datetimeFigureOut">
               <a:rPr lang="zh-CN" altLang="en-US" smtClean="0"/>
-              <a:t>2024-04-10</a:t>
+              <a:t>2024-04-11</a:t>
             </a:fld>
             <a:endParaRPr lang="zh-CN" altLang="en-US"/>
           </a:p>
@@ -33155,14 +33155,12 @@
             </a:extLst>
           </a:blip>
           <a:srcRect/>
-          <a:stretch>
-            <a:fillRect/>
-          </a:stretch>
+          <a:stretch/>
         </p:blipFill>
         <p:spPr bwMode="auto">
           <a:xfrm>
-            <a:off x="1181100" y="755559"/>
-            <a:ext cx="6781800" cy="4181475"/>
+            <a:off x="1185862" y="755559"/>
+            <a:ext cx="6772275" cy="4181475"/>
           </a:xfrm>
           <a:prstGeom prst="rect">
             <a:avLst/>
@@ -33497,9 +33495,7 @@
             </a:extLst>
           </a:blip>
           <a:srcRect/>
-          <a:stretch>
-            <a:fillRect/>
-          </a:stretch>
+          <a:stretch/>
         </p:blipFill>
         <p:spPr bwMode="auto">
           <a:xfrm>
